--- a/resources/What effects how residents of NH value local.pptx
+++ b/resources/What effects how residents of NH value local.pptx
@@ -16,10 +16,13 @@
     <p:sldId id="264" r:id="rId10"/>
     <p:sldId id="266" r:id="rId11"/>
     <p:sldId id="265" r:id="rId12"/>
-    <p:sldId id="268" r:id="rId13"/>
-    <p:sldId id="269" r:id="rId14"/>
-    <p:sldId id="267" r:id="rId15"/>
-    <p:sldId id="270" r:id="rId16"/>
+    <p:sldId id="272" r:id="rId13"/>
+    <p:sldId id="268" r:id="rId14"/>
+    <p:sldId id="269" r:id="rId15"/>
+    <p:sldId id="267" r:id="rId16"/>
+    <p:sldId id="270" r:id="rId17"/>
+    <p:sldId id="271" r:id="rId18"/>
+    <p:sldId id="273" r:id="rId19"/>
   </p:sldIdLst>
   <p:sldSz cx="12192000" cy="6858000"/>
   <p:notesSz cx="6858000" cy="9144000"/>
@@ -118,6 +121,11 @@
       </a:defRPr>
     </a:lvl9pPr>
   </p:defaultTextStyle>
+  <p:extLst>
+    <p:ext uri="{EFAFB233-063F-42B5-8137-9DF3F51BA10A}">
+      <p15:sldGuideLst xmlns:p15="http://schemas.microsoft.com/office/powerpoint/2012/main"/>
+    </p:ext>
+  </p:extLst>
 </p:presentation>
 </file>
 
@@ -268,7 +276,7 @@
           <a:p>
             <a:fld id="{85CFC6A9-79B0-4234-8A2D-9B047CC5F363}" type="datetimeFigureOut">
               <a:rPr lang="en-US" smtClean="0"/>
-              <a:t>12/15/2023</a:t>
+              <a:t>12/15/23</a:t>
             </a:fld>
             <a:endParaRPr lang="en-US"/>
           </a:p>
@@ -466,7 +474,7 @@
           <a:p>
             <a:fld id="{85CFC6A9-79B0-4234-8A2D-9B047CC5F363}" type="datetimeFigureOut">
               <a:rPr lang="en-US" smtClean="0"/>
-              <a:t>12/15/2023</a:t>
+              <a:t>12/15/23</a:t>
             </a:fld>
             <a:endParaRPr lang="en-US"/>
           </a:p>
@@ -674,7 +682,7 @@
           <a:p>
             <a:fld id="{85CFC6A9-79B0-4234-8A2D-9B047CC5F363}" type="datetimeFigureOut">
               <a:rPr lang="en-US" smtClean="0"/>
-              <a:t>12/15/2023</a:t>
+              <a:t>12/15/23</a:t>
             </a:fld>
             <a:endParaRPr lang="en-US"/>
           </a:p>
@@ -872,7 +880,7 @@
           <a:p>
             <a:fld id="{85CFC6A9-79B0-4234-8A2D-9B047CC5F363}" type="datetimeFigureOut">
               <a:rPr lang="en-US" smtClean="0"/>
-              <a:t>12/15/2023</a:t>
+              <a:t>12/15/23</a:t>
             </a:fld>
             <a:endParaRPr lang="en-US"/>
           </a:p>
@@ -1147,7 +1155,7 @@
           <a:p>
             <a:fld id="{85CFC6A9-79B0-4234-8A2D-9B047CC5F363}" type="datetimeFigureOut">
               <a:rPr lang="en-US" smtClean="0"/>
-              <a:t>12/15/2023</a:t>
+              <a:t>12/15/23</a:t>
             </a:fld>
             <a:endParaRPr lang="en-US"/>
           </a:p>
@@ -1412,7 +1420,7 @@
           <a:p>
             <a:fld id="{85CFC6A9-79B0-4234-8A2D-9B047CC5F363}" type="datetimeFigureOut">
               <a:rPr lang="en-US" smtClean="0"/>
-              <a:t>12/15/2023</a:t>
+              <a:t>12/15/23</a:t>
             </a:fld>
             <a:endParaRPr lang="en-US"/>
           </a:p>
@@ -1824,7 +1832,7 @@
           <a:p>
             <a:fld id="{85CFC6A9-79B0-4234-8A2D-9B047CC5F363}" type="datetimeFigureOut">
               <a:rPr lang="en-US" smtClean="0"/>
-              <a:t>12/15/2023</a:t>
+              <a:t>12/15/23</a:t>
             </a:fld>
             <a:endParaRPr lang="en-US"/>
           </a:p>
@@ -1965,7 +1973,7 @@
           <a:p>
             <a:fld id="{85CFC6A9-79B0-4234-8A2D-9B047CC5F363}" type="datetimeFigureOut">
               <a:rPr lang="en-US" smtClean="0"/>
-              <a:t>12/15/2023</a:t>
+              <a:t>12/15/23</a:t>
             </a:fld>
             <a:endParaRPr lang="en-US"/>
           </a:p>
@@ -2078,7 +2086,7 @@
           <a:p>
             <a:fld id="{85CFC6A9-79B0-4234-8A2D-9B047CC5F363}" type="datetimeFigureOut">
               <a:rPr lang="en-US" smtClean="0"/>
-              <a:t>12/15/2023</a:t>
+              <a:t>12/15/23</a:t>
             </a:fld>
             <a:endParaRPr lang="en-US"/>
           </a:p>
@@ -2389,7 +2397,7 @@
           <a:p>
             <a:fld id="{85CFC6A9-79B0-4234-8A2D-9B047CC5F363}" type="datetimeFigureOut">
               <a:rPr lang="en-US" smtClean="0"/>
-              <a:t>12/15/2023</a:t>
+              <a:t>12/15/23</a:t>
             </a:fld>
             <a:endParaRPr lang="en-US"/>
           </a:p>
@@ -2677,7 +2685,7 @@
           <a:p>
             <a:fld id="{85CFC6A9-79B0-4234-8A2D-9B047CC5F363}" type="datetimeFigureOut">
               <a:rPr lang="en-US" smtClean="0"/>
-              <a:t>12/15/2023</a:t>
+              <a:t>12/15/23</a:t>
             </a:fld>
             <a:endParaRPr lang="en-US"/>
           </a:p>
@@ -2918,7 +2926,7 @@
           <a:p>
             <a:fld id="{85CFC6A9-79B0-4234-8A2D-9B047CC5F363}" type="datetimeFigureOut">
               <a:rPr lang="en-US" smtClean="0"/>
-              <a:t>12/15/2023</a:t>
+              <a:t>12/15/23</a:t>
             </a:fld>
             <a:endParaRPr lang="en-US"/>
           </a:p>
@@ -3634,6 +3642,14 @@
 <file path=ppt/slides/slide12.xml><?xml version="1.0" encoding="utf-8"?>
 <p:sld xmlns:a="http://schemas.openxmlformats.org/drawingml/2006/main" xmlns:r="http://schemas.openxmlformats.org/officeDocument/2006/relationships" xmlns:p="http://schemas.openxmlformats.org/presentationml/2006/main">
   <p:cSld>
+    <p:bg>
+      <p:bgPr>
+        <a:solidFill>
+          <a:schemeClr val="bg1"/>
+        </a:solidFill>
+        <a:effectLst/>
+      </p:bgPr>
+    </p:bg>
     <p:spTree>
       <p:nvGrpSpPr>
         <p:cNvPr id="1" name=""/>
@@ -3648,93 +3664,48 @@
           <a:chExt cx="0" cy="0"/>
         </a:xfrm>
       </p:grpSpPr>
-      <p:sp>
-        <p:nvSpPr>
-          <p:cNvPr id="2" name="Title 1">
-            <a:extLst>
-              <a:ext uri="{FF2B5EF4-FFF2-40B4-BE49-F238E27FC236}">
-                <a16:creationId xmlns:a16="http://schemas.microsoft.com/office/drawing/2014/main" id="{A9268751-A640-65A6-0FD3-7978414EF6D4}"/>
-              </a:ext>
-            </a:extLst>
-          </p:cNvPr>
-          <p:cNvSpPr>
-            <a:spLocks noGrp="1"/>
-          </p:cNvSpPr>
-          <p:nvPr>
-            <p:ph type="title"/>
-          </p:nvPr>
-        </p:nvSpPr>
-        <p:spPr/>
-        <p:txBody>
-          <a:bodyPr/>
-          <a:lstStyle/>
-          <a:p>
-            <a:r>
-              <a:rPr lang="en-US" dirty="0"/>
-              <a:t>Methods</a:t>
-            </a:r>
-          </a:p>
-        </p:txBody>
-      </p:sp>
-      <p:sp>
-        <p:nvSpPr>
-          <p:cNvPr id="3" name="Content Placeholder 2">
-            <a:extLst>
-              <a:ext uri="{FF2B5EF4-FFF2-40B4-BE49-F238E27FC236}">
-                <a16:creationId xmlns:a16="http://schemas.microsoft.com/office/drawing/2014/main" id="{07081CF2-EE58-6F66-74A5-DD1C31FA8F5D}"/>
-              </a:ext>
-            </a:extLst>
-          </p:cNvPr>
-          <p:cNvSpPr>
-            <a:spLocks noGrp="1"/>
-          </p:cNvSpPr>
+      <p:pic>
+        <p:nvPicPr>
+          <p:cNvPr id="9" name="Content Placeholder 8" descr="A screenshot of a map of the state&#10;&#10;Description automatically generated">
+            <a:extLst>
+              <a:ext uri="{FF2B5EF4-FFF2-40B4-BE49-F238E27FC236}">
+                <a16:creationId xmlns:a16="http://schemas.microsoft.com/office/drawing/2014/main" id="{D5C2823B-6CFF-7163-9990-7F601A41F59A}"/>
+              </a:ext>
+            </a:extLst>
+          </p:cNvPr>
+          <p:cNvPicPr>
+            <a:picLocks noGrp="1" noChangeAspect="1"/>
+          </p:cNvPicPr>
           <p:nvPr>
             <p:ph idx="1"/>
           </p:nvPr>
-        </p:nvSpPr>
-        <p:spPr/>
-        <p:txBody>
-          <a:bodyPr/>
-          <a:lstStyle/>
-          <a:p>
-            <a:r>
-              <a:rPr lang="en-US" dirty="0"/>
-              <a:t>Mann-Whitney U</a:t>
-            </a:r>
-          </a:p>
-          <a:p>
-            <a:pPr lvl="1"/>
-            <a:r>
-              <a:rPr lang="en-US" dirty="0"/>
-              <a:t>Do </a:t>
-            </a:r>
-            <a:r>
-              <a:rPr lang="en-US" u="sng" dirty="0"/>
-              <a:t>Men</a:t>
-            </a:r>
-            <a:r>
-              <a:rPr lang="en-US" dirty="0"/>
-              <a:t> respond differently than </a:t>
-            </a:r>
-            <a:r>
-              <a:rPr lang="en-US" u="sng" dirty="0"/>
-              <a:t>Women</a:t>
-            </a:r>
-            <a:r>
-              <a:rPr lang="en-US" dirty="0"/>
-              <a:t>?</a:t>
-            </a:r>
-          </a:p>
-          <a:p>
-            <a:pPr lvl="1"/>
-            <a:endParaRPr lang="en-US" dirty="0"/>
-          </a:p>
-        </p:txBody>
-      </p:sp>
+        </p:nvPicPr>
+        <p:blipFill>
+          <a:blip r:embed="rId2">
+            <a:extLst>
+              <a:ext uri="{28A0092B-C50C-407E-A947-70E740481C1C}">
+                <a14:useLocalDpi xmlns:a14="http://schemas.microsoft.com/office/drawing/2010/main" val="0"/>
+              </a:ext>
+            </a:extLst>
+          </a:blip>
+          <a:stretch>
+            <a:fillRect/>
+          </a:stretch>
+        </p:blipFill>
+        <p:spPr>
+          <a:xfrm>
+            <a:off x="3568129" y="643466"/>
+            <a:ext cx="5055741" cy="5571067"/>
+          </a:xfrm>
+          <a:prstGeom prst="rect">
+            <a:avLst/>
+          </a:prstGeom>
+        </p:spPr>
+      </p:pic>
     </p:spTree>
     <p:extLst>
       <p:ext uri="{BB962C8B-B14F-4D97-AF65-F5344CB8AC3E}">
-        <p14:creationId xmlns:p14="http://schemas.microsoft.com/office/powerpoint/2010/main" val="3684524697"/>
+        <p14:creationId xmlns:p14="http://schemas.microsoft.com/office/powerpoint/2010/main" val="430391484"/>
       </p:ext>
     </p:extLst>
   </p:cSld>
@@ -3827,7 +3798,7 @@
             </a:r>
             <a:r>
               <a:rPr lang="en-US" dirty="0"/>
-              <a:t> value the services differently than </a:t>
+              <a:t> respond differently than </a:t>
             </a:r>
             <a:r>
               <a:rPr lang="en-US" u="sng" dirty="0"/>
@@ -3836,19 +3807,6 @@
             <a:r>
               <a:rPr lang="en-US" dirty="0"/>
               <a:t>?</a:t>
-            </a:r>
-          </a:p>
-          <a:p>
-            <a:r>
-              <a:rPr lang="en-US" dirty="0"/>
-              <a:t>Ordinal Logistic Regression</a:t>
-            </a:r>
-          </a:p>
-          <a:p>
-            <a:pPr lvl="1"/>
-            <a:r>
-              <a:rPr lang="en-US" dirty="0"/>
-              <a:t>Do demographic parameters influence service valuation?</a:t>
             </a:r>
           </a:p>
           <a:p>
@@ -3860,7 +3818,7 @@
     </p:spTree>
     <p:extLst>
       <p:ext uri="{BB962C8B-B14F-4D97-AF65-F5344CB8AC3E}">
-        <p14:creationId xmlns:p14="http://schemas.microsoft.com/office/powerpoint/2010/main" val="110925905"/>
+        <p14:creationId xmlns:p14="http://schemas.microsoft.com/office/powerpoint/2010/main" val="3684524697"/>
       </p:ext>
     </p:extLst>
   </p:cSld>
@@ -3892,7 +3850,7 @@
           <p:cNvPr id="2" name="Title 1">
             <a:extLst>
               <a:ext uri="{FF2B5EF4-FFF2-40B4-BE49-F238E27FC236}">
-                <a16:creationId xmlns:a16="http://schemas.microsoft.com/office/drawing/2014/main" id="{E0D6211E-5108-9A64-BF29-B0077EC1FDFF}"/>
+                <a16:creationId xmlns:a16="http://schemas.microsoft.com/office/drawing/2014/main" id="{A9268751-A640-65A6-0FD3-7978414EF6D4}"/>
               </a:ext>
             </a:extLst>
           </p:cNvPr>
@@ -3910,7 +3868,7 @@
           <a:p>
             <a:r>
               <a:rPr lang="en-US" dirty="0"/>
-              <a:t>Results: This Study</a:t>
+              <a:t>Methods</a:t>
             </a:r>
           </a:p>
         </p:txBody>
@@ -3920,7 +3878,7 @@
           <p:cNvPr id="3" name="Content Placeholder 2">
             <a:extLst>
               <a:ext uri="{FF2B5EF4-FFF2-40B4-BE49-F238E27FC236}">
-                <a16:creationId xmlns:a16="http://schemas.microsoft.com/office/drawing/2014/main" id="{46C5E6BE-6FCC-CE76-6481-0FEA97937C75}"/>
+                <a16:creationId xmlns:a16="http://schemas.microsoft.com/office/drawing/2014/main" id="{07081CF2-EE58-6F66-74A5-DD1C31FA8F5D}"/>
               </a:ext>
             </a:extLst>
           </p:cNvPr>
@@ -3938,82 +3896,44 @@
           <a:p>
             <a:r>
               <a:rPr lang="en-US" dirty="0"/>
-              <a:t>Predictors Examined</a:t>
+              <a:t>Mann-Whitney U</a:t>
             </a:r>
           </a:p>
           <a:p>
             <a:pPr lvl="1"/>
             <a:r>
               <a:rPr lang="en-US" dirty="0"/>
-              <a:t>Age</a:t>
-            </a:r>
-          </a:p>
-          <a:p>
-            <a:pPr lvl="2"/>
-            <a:r>
-              <a:rPr lang="en-US" dirty="0"/>
-              <a:t>Wood</a:t>
+              <a:t>Do </a:t>
+            </a:r>
+            <a:r>
+              <a:rPr lang="en-US" u="sng" dirty="0"/>
+              <a:t>Men</a:t>
+            </a:r>
+            <a:r>
+              <a:rPr lang="en-US" dirty="0"/>
+              <a:t> value the services differently than </a:t>
+            </a:r>
+            <a:r>
+              <a:rPr lang="en-US" u="sng" dirty="0"/>
+              <a:t>Women</a:t>
+            </a:r>
+            <a:r>
+              <a:rPr lang="en-US" dirty="0"/>
+              <a:t>?</a:t>
+            </a:r>
+          </a:p>
+          <a:p>
+            <a:r>
+              <a:rPr lang="en-US" dirty="0"/>
+              <a:t>Ordinal Logistic Regression</a:t>
             </a:r>
           </a:p>
           <a:p>
             <a:pPr lvl="1"/>
             <a:r>
-              <a:rPr lang="en-US" strike="sngStrike" dirty="0"/>
-              <a:t>Gender</a:t>
-            </a:r>
-          </a:p>
-          <a:p>
-            <a:pPr lvl="1"/>
-            <a:r>
-              <a:rPr lang="en-US" dirty="0"/>
-              <a:t>Political Views</a:t>
-            </a:r>
-          </a:p>
-          <a:p>
-            <a:pPr lvl="2"/>
-            <a:r>
-              <a:rPr lang="en-US" dirty="0"/>
-              <a:t>Climate Protection</a:t>
-            </a:r>
-          </a:p>
-          <a:p>
-            <a:pPr lvl="2"/>
-            <a:r>
-              <a:rPr lang="en-US" dirty="0"/>
-              <a:t>Biodiversity (almost)</a:t>
-            </a:r>
-          </a:p>
-          <a:p>
-            <a:pPr lvl="1"/>
-            <a:r>
-              <a:rPr lang="en-US" strike="sngStrike" dirty="0"/>
-              <a:t>Education</a:t>
-            </a:r>
-          </a:p>
-          <a:p>
-            <a:pPr lvl="1"/>
-            <a:r>
-              <a:rPr lang="en-US" strike="sngStrike" dirty="0"/>
-              <a:t>Race</a:t>
-            </a:r>
-          </a:p>
-          <a:p>
-            <a:pPr lvl="1"/>
-            <a:r>
-              <a:rPr lang="en-US" strike="sngStrike" dirty="0"/>
-              <a:t>Income</a:t>
-            </a:r>
-          </a:p>
-          <a:p>
-            <a:pPr lvl="1"/>
-            <a:r>
-              <a:rPr lang="en-US" strike="sngStrike" dirty="0"/>
-              <a:t>Ranking of Environmental Quality</a:t>
-            </a:r>
-          </a:p>
-          <a:p>
-            <a:pPr lvl="1"/>
-            <a:endParaRPr lang="en-US" dirty="0"/>
+              <a:rPr lang="en-US" dirty="0"/>
+              <a:t>Do demographic parameters influence service valuation?</a:t>
+            </a:r>
           </a:p>
           <a:p>
             <a:pPr lvl="1"/>
@@ -4024,7 +3944,7 @@
     </p:spTree>
     <p:extLst>
       <p:ext uri="{BB962C8B-B14F-4D97-AF65-F5344CB8AC3E}">
-        <p14:creationId xmlns:p14="http://schemas.microsoft.com/office/powerpoint/2010/main" val="3399040627"/>
+        <p14:creationId xmlns:p14="http://schemas.microsoft.com/office/powerpoint/2010/main" val="110925905"/>
       </p:ext>
     </p:extLst>
   </p:cSld>
@@ -4116,6 +4036,170 @@
             <a:pPr lvl="2"/>
             <a:r>
               <a:rPr lang="en-US" dirty="0"/>
+              <a:t>Wood</a:t>
+            </a:r>
+          </a:p>
+          <a:p>
+            <a:pPr lvl="1"/>
+            <a:r>
+              <a:rPr lang="en-US" strike="sngStrike" dirty="0"/>
+              <a:t>Gender</a:t>
+            </a:r>
+          </a:p>
+          <a:p>
+            <a:pPr lvl="1"/>
+            <a:r>
+              <a:rPr lang="en-US" dirty="0"/>
+              <a:t>Political Views</a:t>
+            </a:r>
+          </a:p>
+          <a:p>
+            <a:pPr lvl="2"/>
+            <a:r>
+              <a:rPr lang="en-US" dirty="0"/>
+              <a:t>Climate Protection</a:t>
+            </a:r>
+          </a:p>
+          <a:p>
+            <a:pPr lvl="2"/>
+            <a:r>
+              <a:rPr lang="en-US" dirty="0"/>
+              <a:t>Biodiversity (almost)</a:t>
+            </a:r>
+          </a:p>
+          <a:p>
+            <a:pPr lvl="1"/>
+            <a:r>
+              <a:rPr lang="en-US" strike="sngStrike" dirty="0"/>
+              <a:t>Education</a:t>
+            </a:r>
+          </a:p>
+          <a:p>
+            <a:pPr lvl="1"/>
+            <a:r>
+              <a:rPr lang="en-US" strike="sngStrike" dirty="0"/>
+              <a:t>Race</a:t>
+            </a:r>
+          </a:p>
+          <a:p>
+            <a:pPr lvl="1"/>
+            <a:r>
+              <a:rPr lang="en-US" strike="sngStrike" dirty="0"/>
+              <a:t>Income</a:t>
+            </a:r>
+          </a:p>
+          <a:p>
+            <a:pPr lvl="1"/>
+            <a:r>
+              <a:rPr lang="en-US" strike="sngStrike" dirty="0"/>
+              <a:t>Ranking of Environmental Quality</a:t>
+            </a:r>
+          </a:p>
+          <a:p>
+            <a:pPr lvl="1"/>
+            <a:endParaRPr lang="en-US" dirty="0"/>
+          </a:p>
+          <a:p>
+            <a:pPr lvl="1"/>
+            <a:endParaRPr lang="en-US" dirty="0"/>
+          </a:p>
+        </p:txBody>
+      </p:sp>
+    </p:spTree>
+    <p:extLst>
+      <p:ext uri="{BB962C8B-B14F-4D97-AF65-F5344CB8AC3E}">
+        <p14:creationId xmlns:p14="http://schemas.microsoft.com/office/powerpoint/2010/main" val="3399040627"/>
+      </p:ext>
+    </p:extLst>
+  </p:cSld>
+  <p:clrMapOvr>
+    <a:masterClrMapping/>
+  </p:clrMapOvr>
+</p:sld>
+</file>
+
+<file path=ppt/slides/slide16.xml><?xml version="1.0" encoding="utf-8"?>
+<p:sld xmlns:a="http://schemas.openxmlformats.org/drawingml/2006/main" xmlns:r="http://schemas.openxmlformats.org/officeDocument/2006/relationships" xmlns:p="http://schemas.openxmlformats.org/presentationml/2006/main">
+  <p:cSld>
+    <p:spTree>
+      <p:nvGrpSpPr>
+        <p:cNvPr id="1" name=""/>
+        <p:cNvGrpSpPr/>
+        <p:nvPr/>
+      </p:nvGrpSpPr>
+      <p:grpSpPr>
+        <a:xfrm>
+          <a:off x="0" y="0"/>
+          <a:ext cx="0" cy="0"/>
+          <a:chOff x="0" y="0"/>
+          <a:chExt cx="0" cy="0"/>
+        </a:xfrm>
+      </p:grpSpPr>
+      <p:sp>
+        <p:nvSpPr>
+          <p:cNvPr id="2" name="Title 1">
+            <a:extLst>
+              <a:ext uri="{FF2B5EF4-FFF2-40B4-BE49-F238E27FC236}">
+                <a16:creationId xmlns:a16="http://schemas.microsoft.com/office/drawing/2014/main" id="{E0D6211E-5108-9A64-BF29-B0077EC1FDFF}"/>
+              </a:ext>
+            </a:extLst>
+          </p:cNvPr>
+          <p:cNvSpPr>
+            <a:spLocks noGrp="1"/>
+          </p:cNvSpPr>
+          <p:nvPr>
+            <p:ph type="title"/>
+          </p:nvPr>
+        </p:nvSpPr>
+        <p:spPr/>
+        <p:txBody>
+          <a:bodyPr/>
+          <a:lstStyle/>
+          <a:p>
+            <a:r>
+              <a:rPr lang="en-US" dirty="0"/>
+              <a:t>Results: This Study</a:t>
+            </a:r>
+          </a:p>
+        </p:txBody>
+      </p:sp>
+      <p:sp>
+        <p:nvSpPr>
+          <p:cNvPr id="3" name="Content Placeholder 2">
+            <a:extLst>
+              <a:ext uri="{FF2B5EF4-FFF2-40B4-BE49-F238E27FC236}">
+                <a16:creationId xmlns:a16="http://schemas.microsoft.com/office/drawing/2014/main" id="{46C5E6BE-6FCC-CE76-6481-0FEA97937C75}"/>
+              </a:ext>
+            </a:extLst>
+          </p:cNvPr>
+          <p:cNvSpPr>
+            <a:spLocks noGrp="1"/>
+          </p:cNvSpPr>
+          <p:nvPr>
+            <p:ph idx="1"/>
+          </p:nvPr>
+        </p:nvSpPr>
+        <p:spPr/>
+        <p:txBody>
+          <a:bodyPr/>
+          <a:lstStyle/>
+          <a:p>
+            <a:r>
+              <a:rPr lang="en-US" dirty="0"/>
+              <a:t>Predictors Examined</a:t>
+            </a:r>
+          </a:p>
+          <a:p>
+            <a:pPr lvl="1"/>
+            <a:r>
+              <a:rPr lang="en-US" dirty="0"/>
+              <a:t>Age</a:t>
+            </a:r>
+          </a:p>
+          <a:p>
+            <a:pPr lvl="2"/>
+            <a:r>
+              <a:rPr lang="en-US" dirty="0"/>
               <a:t>Wood (p = 0.0175)</a:t>
             </a:r>
           </a:p>
@@ -4154,6 +4238,223 @@
     <p:extLst>
       <p:ext uri="{BB962C8B-B14F-4D97-AF65-F5344CB8AC3E}">
         <p14:creationId xmlns:p14="http://schemas.microsoft.com/office/powerpoint/2010/main" val="717326379"/>
+      </p:ext>
+    </p:extLst>
+  </p:cSld>
+  <p:clrMapOvr>
+    <a:masterClrMapping/>
+  </p:clrMapOvr>
+</p:sld>
+</file>
+
+<file path=ppt/slides/slide17.xml><?xml version="1.0" encoding="utf-8"?>
+<p:sld xmlns:a="http://schemas.openxmlformats.org/drawingml/2006/main" xmlns:r="http://schemas.openxmlformats.org/officeDocument/2006/relationships" xmlns:p="http://schemas.openxmlformats.org/presentationml/2006/main">
+  <p:cSld>
+    <p:spTree>
+      <p:nvGrpSpPr>
+        <p:cNvPr id="1" name=""/>
+        <p:cNvGrpSpPr/>
+        <p:nvPr/>
+      </p:nvGrpSpPr>
+      <p:grpSpPr>
+        <a:xfrm>
+          <a:off x="0" y="0"/>
+          <a:ext cx="0" cy="0"/>
+          <a:chOff x="0" y="0"/>
+          <a:chExt cx="0" cy="0"/>
+        </a:xfrm>
+      </p:grpSpPr>
+      <p:sp>
+        <p:nvSpPr>
+          <p:cNvPr id="2" name="Title 1">
+            <a:extLst>
+              <a:ext uri="{FF2B5EF4-FFF2-40B4-BE49-F238E27FC236}">
+                <a16:creationId xmlns:a16="http://schemas.microsoft.com/office/drawing/2014/main" id="{E0D6211E-5108-9A64-BF29-B0077EC1FDFF}"/>
+              </a:ext>
+            </a:extLst>
+          </p:cNvPr>
+          <p:cNvSpPr>
+            <a:spLocks noGrp="1"/>
+          </p:cNvSpPr>
+          <p:nvPr>
+            <p:ph type="title"/>
+          </p:nvPr>
+        </p:nvSpPr>
+        <p:spPr/>
+        <p:txBody>
+          <a:bodyPr/>
+          <a:lstStyle/>
+          <a:p>
+            <a:r>
+              <a:rPr lang="en-US" dirty="0"/>
+              <a:t>Results: This Study</a:t>
+            </a:r>
+          </a:p>
+        </p:txBody>
+      </p:sp>
+      <p:sp>
+        <p:nvSpPr>
+          <p:cNvPr id="3" name="Content Placeholder 2">
+            <a:extLst>
+              <a:ext uri="{FF2B5EF4-FFF2-40B4-BE49-F238E27FC236}">
+                <a16:creationId xmlns:a16="http://schemas.microsoft.com/office/drawing/2014/main" id="{46C5E6BE-6FCC-CE76-6481-0FEA97937C75}"/>
+              </a:ext>
+            </a:extLst>
+          </p:cNvPr>
+          <p:cNvSpPr>
+            <a:spLocks noGrp="1"/>
+          </p:cNvSpPr>
+          <p:nvPr>
+            <p:ph idx="1"/>
+          </p:nvPr>
+        </p:nvSpPr>
+        <p:spPr/>
+        <p:txBody>
+          <a:bodyPr/>
+          <a:lstStyle/>
+          <a:p>
+            <a:r>
+              <a:rPr lang="en-US" dirty="0"/>
+              <a:t>Predictors Examined</a:t>
+            </a:r>
+          </a:p>
+          <a:p>
+            <a:pPr lvl="1"/>
+            <a:r>
+              <a:rPr lang="en-US" dirty="0"/>
+              <a:t>Age</a:t>
+            </a:r>
+          </a:p>
+          <a:p>
+            <a:pPr lvl="2"/>
+            <a:r>
+              <a:rPr lang="en-US" dirty="0"/>
+              <a:t>Wood (p = 0.0175)</a:t>
+            </a:r>
+          </a:p>
+          <a:p>
+            <a:pPr lvl="1"/>
+            <a:r>
+              <a:rPr lang="en-US" dirty="0"/>
+              <a:t>Political Views</a:t>
+            </a:r>
+          </a:p>
+          <a:p>
+            <a:pPr lvl="2"/>
+            <a:r>
+              <a:rPr lang="en-US" dirty="0"/>
+              <a:t>Climate Protection (p = 0.0892)</a:t>
+            </a:r>
+          </a:p>
+          <a:p>
+            <a:pPr lvl="2"/>
+            <a:r>
+              <a:rPr lang="en-US" dirty="0"/>
+              <a:t>Biodiversity (p = 0.0153)</a:t>
+            </a:r>
+          </a:p>
+          <a:p>
+            <a:pPr lvl="1"/>
+            <a:endParaRPr lang="en-US" dirty="0"/>
+          </a:p>
+          <a:p>
+            <a:pPr lvl="1"/>
+            <a:endParaRPr lang="en-US" dirty="0"/>
+          </a:p>
+        </p:txBody>
+      </p:sp>
+      <p:pic>
+        <p:nvPicPr>
+          <p:cNvPr id="7" name="Picture 6">
+            <a:extLst>
+              <a:ext uri="{FF2B5EF4-FFF2-40B4-BE49-F238E27FC236}">
+                <a16:creationId xmlns:a16="http://schemas.microsoft.com/office/drawing/2014/main" id="{AE10126E-040A-BA7E-5FBE-B41B0526BEF1}"/>
+              </a:ext>
+            </a:extLst>
+          </p:cNvPr>
+          <p:cNvPicPr>
+            <a:picLocks noChangeAspect="1"/>
+          </p:cNvPicPr>
+          <p:nvPr/>
+        </p:nvPicPr>
+        <p:blipFill>
+          <a:blip r:embed="rId2"/>
+          <a:stretch>
+            <a:fillRect/>
+          </a:stretch>
+        </p:blipFill>
+        <p:spPr>
+          <a:xfrm>
+            <a:off x="5328356" y="779590"/>
+            <a:ext cx="6863644" cy="4796681"/>
+          </a:xfrm>
+          <a:prstGeom prst="rect">
+            <a:avLst/>
+          </a:prstGeom>
+        </p:spPr>
+      </p:pic>
+    </p:spTree>
+    <p:extLst>
+      <p:ext uri="{BB962C8B-B14F-4D97-AF65-F5344CB8AC3E}">
+        <p14:creationId xmlns:p14="http://schemas.microsoft.com/office/powerpoint/2010/main" val="3788766657"/>
+      </p:ext>
+    </p:extLst>
+  </p:cSld>
+  <p:clrMapOvr>
+    <a:masterClrMapping/>
+  </p:clrMapOvr>
+</p:sld>
+</file>
+
+<file path=ppt/slides/slide18.xml><?xml version="1.0" encoding="utf-8"?>
+<p:sld xmlns:a="http://schemas.openxmlformats.org/drawingml/2006/main" xmlns:r="http://schemas.openxmlformats.org/officeDocument/2006/relationships" xmlns:p="http://schemas.openxmlformats.org/presentationml/2006/main">
+  <p:cSld>
+    <p:spTree>
+      <p:nvGrpSpPr>
+        <p:cNvPr id="1" name=""/>
+        <p:cNvGrpSpPr/>
+        <p:nvPr/>
+      </p:nvGrpSpPr>
+      <p:grpSpPr>
+        <a:xfrm>
+          <a:off x="0" y="0"/>
+          <a:ext cx="0" cy="0"/>
+          <a:chOff x="0" y="0"/>
+          <a:chExt cx="0" cy="0"/>
+        </a:xfrm>
+      </p:grpSpPr>
+      <p:sp>
+        <p:nvSpPr>
+          <p:cNvPr id="2" name="Title 1">
+            <a:extLst>
+              <a:ext uri="{FF2B5EF4-FFF2-40B4-BE49-F238E27FC236}">
+                <a16:creationId xmlns:a16="http://schemas.microsoft.com/office/drawing/2014/main" id="{2E4BB257-1F84-AF64-551B-D5A4703F5B2F}"/>
+              </a:ext>
+            </a:extLst>
+          </p:cNvPr>
+          <p:cNvSpPr>
+            <a:spLocks noGrp="1"/>
+          </p:cNvSpPr>
+          <p:nvPr>
+            <p:ph type="title"/>
+          </p:nvPr>
+        </p:nvSpPr>
+        <p:spPr/>
+        <p:txBody>
+          <a:bodyPr/>
+          <a:lstStyle/>
+          <a:p>
+            <a:r>
+              <a:rPr lang="en-US" dirty="0"/>
+              <a:t>Limitations + Future</a:t>
+            </a:r>
+          </a:p>
+        </p:txBody>
+      </p:sp>
+    </p:spTree>
+    <p:extLst>
+      <p:ext uri="{BB962C8B-B14F-4D97-AF65-F5344CB8AC3E}">
+        <p14:creationId xmlns:p14="http://schemas.microsoft.com/office/powerpoint/2010/main" val="137813885"/>
       </p:ext>
     </p:extLst>
   </p:cSld>
